--- a/Speech/Reinforcement Learning 3.pptx
+++ b/Speech/Reinforcement Learning 3.pptx
@@ -4375,13 +4375,14 @@
               <a:rPr lang="en-US" altLang="zh-CN" dirty="0" smtClean="0"/>
             </a:br>
             <a:r>
-              <a:rPr lang="en-US" altLang="zh-CN" sz="3600" smtClean="0"/>
-              <a:t>Dynamic Programing</a:t>
-            </a:r>
-            <a:endParaRPr lang="en-US" dirty="0">
-              <a:latin typeface="微软雅黑" panose="020B0503020204020204" pitchFamily="34" charset="-122"/>
-              <a:ea typeface="微软雅黑" panose="020B0503020204020204" pitchFamily="34" charset="-122"/>
-            </a:endParaRPr>
+              <a:rPr lang="en-US" altLang="zh-CN" sz="3600" dirty="0" smtClean="0"/>
+              <a:t>Planning by Dynamic </a:t>
+            </a:r>
+            <a:r>
+              <a:rPr lang="en-US" altLang="zh-CN" sz="3600" dirty="0" smtClean="0"/>
+              <a:t>Programing</a:t>
+            </a:r>
+            <a:endParaRPr lang="en-US" sz="3600" dirty="0"/>
           </a:p>
         </p:txBody>
       </p:sp>
@@ -35730,15 +35731,6 @@
 </file>
 
 <file path=customXml/item1.xml><?xml version="1.0" encoding="utf-8"?>
-<?mso-contentType ?>
-<FormTemplates xmlns="http://schemas.microsoft.com/sharepoint/v3/contenttype/forms">
-  <Display>DocumentLibraryForm</Display>
-  <Edit>AssetEditForm</Edit>
-  <New>DocumentLibraryForm</New>
-</FormTemplates>
-</file>
-
-<file path=customXml/item2.xml><?xml version="1.0" encoding="utf-8"?>
 <p:properties xmlns:p="http://schemas.microsoft.com/office/2006/metadata/properties" xmlns:xsi="http://www.w3.org/2001/XMLSchema-instance" xmlns:pc="http://schemas.microsoft.com/office/infopath/2007/PartnerControls">
   <documentManagement>
     <DirectSourceMarket xmlns="4873beb7-5857-4685-be1f-d57550cc96cc" xsi:nil="true"/>
@@ -35863,6 +35855,15 @@
     <LocMarketGroupTiers2 xmlns="4873beb7-5857-4685-be1f-d57550cc96cc" xsi:nil="true"/>
   </documentManagement>
 </p:properties>
+</file>
+
+<file path=customXml/item2.xml><?xml version="1.0" encoding="utf-8"?>
+<?mso-contentType ?>
+<FormTemplates xmlns="http://schemas.microsoft.com/sharepoint/v3/contenttype/forms">
+  <Display>DocumentLibraryForm</Display>
+  <Edit>AssetEditForm</Edit>
+  <New>DocumentLibraryForm</New>
+</FormTemplates>
 </file>
 
 <file path=customXml/item3.xml><?xml version="1.0" encoding="utf-8"?>
@@ -36906,19 +36907,19 @@
 </file>
 
 <file path=customXml/itemProps1.xml><?xml version="1.0" encoding="utf-8"?>
-<ds:datastoreItem xmlns:ds="http://schemas.openxmlformats.org/officeDocument/2006/customXml" ds:itemID="{74228E6B-D70C-44BB-A81F-A245495F612B}">
+<ds:datastoreItem xmlns:ds="http://schemas.openxmlformats.org/officeDocument/2006/customXml" ds:itemID="{00E41224-0370-4595-877C-23316CD80004}">
   <ds:schemaRefs>
-    <ds:schemaRef ds:uri="http://schemas.microsoft.com/sharepoint/v3/contenttype/forms"/>
+    <ds:schemaRef ds:uri="http://schemas.microsoft.com/office/2006/metadata/properties"/>
+    <ds:schemaRef ds:uri="http://schemas.microsoft.com/office/infopath/2007/PartnerControls"/>
+    <ds:schemaRef ds:uri="4873beb7-5857-4685-be1f-d57550cc96cc"/>
   </ds:schemaRefs>
 </ds:datastoreItem>
 </file>
 
 <file path=customXml/itemProps2.xml><?xml version="1.0" encoding="utf-8"?>
-<ds:datastoreItem xmlns:ds="http://schemas.openxmlformats.org/officeDocument/2006/customXml" ds:itemID="{00E41224-0370-4595-877C-23316CD80004}">
+<ds:datastoreItem xmlns:ds="http://schemas.openxmlformats.org/officeDocument/2006/customXml" ds:itemID="{74228E6B-D70C-44BB-A81F-A245495F612B}">
   <ds:schemaRefs>
-    <ds:schemaRef ds:uri="http://schemas.microsoft.com/office/2006/metadata/properties"/>
-    <ds:schemaRef ds:uri="http://schemas.microsoft.com/office/infopath/2007/PartnerControls"/>
-    <ds:schemaRef ds:uri="4873beb7-5857-4685-be1f-d57550cc96cc"/>
+    <ds:schemaRef ds:uri="http://schemas.microsoft.com/sharepoint/v3/contenttype/forms"/>
   </ds:schemaRefs>
 </ds:datastoreItem>
 </file>
